--- a/GoogleColab_Setup.pptx
+++ b/GoogleColab_Setup.pptx
@@ -9,6 +9,14 @@
     <p:sldId id="257" r:id="rId3"/>
     <p:sldId id="258" r:id="rId4"/>
     <p:sldId id="259" r:id="rId5"/>
+    <p:sldId id="260" r:id="rId6"/>
+    <p:sldId id="261" r:id="rId7"/>
+    <p:sldId id="262" r:id="rId8"/>
+    <p:sldId id="263" r:id="rId9"/>
+    <p:sldId id="264" r:id="rId10"/>
+    <p:sldId id="265" r:id="rId11"/>
+    <p:sldId id="266" r:id="rId12"/>
+    <p:sldId id="267" r:id="rId13"/>
   </p:sldIdLst>
   <p:sldSz cx="9144000" cy="6858000" type="screen4x3"/>
   <p:notesSz cx="6858000" cy="9144000"/>
@@ -107,6 +115,11 @@
       </a:defRPr>
     </a:lvl9pPr>
   </p:defaultTextStyle>
+  <p:extLst>
+    <p:ext uri="{EFAFB233-063F-42B5-8137-9DF3F51BA10A}">
+      <p15:sldGuideLst xmlns:p15="http://schemas.microsoft.com/office/powerpoint/2012/main"/>
+    </p:ext>
+  </p:extLst>
 </p:presentation>
 </file>
 
@@ -257,7 +270,7 @@
           <a:p>
             <a:fld id="{BD38204C-6629-944E-8CB8-AA9AC6FD93FB}" type="datetimeFigureOut">
               <a:rPr kumimoji="1" lang="ja-JP" altLang="en-US" smtClean="0"/>
-              <a:t>2019/6/21</a:t>
+              <a:t>2019/6/23</a:t>
             </a:fld>
             <a:endParaRPr kumimoji="1" lang="ja-JP" altLang="en-US"/>
           </a:p>
@@ -487,7 +500,7 @@
           <a:p>
             <a:fld id="{BD38204C-6629-944E-8CB8-AA9AC6FD93FB}" type="datetimeFigureOut">
               <a:rPr kumimoji="1" lang="ja-JP" altLang="en-US" smtClean="0"/>
-              <a:t>2019/6/21</a:t>
+              <a:t>2019/6/23</a:t>
             </a:fld>
             <a:endParaRPr kumimoji="1" lang="ja-JP" altLang="en-US"/>
           </a:p>
@@ -727,7 +740,7 @@
           <a:p>
             <a:fld id="{BD38204C-6629-944E-8CB8-AA9AC6FD93FB}" type="datetimeFigureOut">
               <a:rPr kumimoji="1" lang="ja-JP" altLang="en-US" smtClean="0"/>
-              <a:t>2019/6/21</a:t>
+              <a:t>2019/6/23</a:t>
             </a:fld>
             <a:endParaRPr kumimoji="1" lang="ja-JP" altLang="en-US"/>
           </a:p>
@@ -957,7 +970,7 @@
           <a:p>
             <a:fld id="{BD38204C-6629-944E-8CB8-AA9AC6FD93FB}" type="datetimeFigureOut">
               <a:rPr kumimoji="1" lang="ja-JP" altLang="en-US" smtClean="0"/>
-              <a:t>2019/6/21</a:t>
+              <a:t>2019/6/23</a:t>
             </a:fld>
             <a:endParaRPr kumimoji="1" lang="ja-JP" altLang="en-US"/>
           </a:p>
@@ -1232,7 +1245,7 @@
           <a:p>
             <a:fld id="{BD38204C-6629-944E-8CB8-AA9AC6FD93FB}" type="datetimeFigureOut">
               <a:rPr kumimoji="1" lang="ja-JP" altLang="en-US" smtClean="0"/>
-              <a:t>2019/6/21</a:t>
+              <a:t>2019/6/23</a:t>
             </a:fld>
             <a:endParaRPr kumimoji="1" lang="ja-JP" altLang="en-US"/>
           </a:p>
@@ -1561,7 +1574,7 @@
           <a:p>
             <a:fld id="{BD38204C-6629-944E-8CB8-AA9AC6FD93FB}" type="datetimeFigureOut">
               <a:rPr kumimoji="1" lang="ja-JP" altLang="en-US" smtClean="0"/>
-              <a:t>2019/6/21</a:t>
+              <a:t>2019/6/23</a:t>
             </a:fld>
             <a:endParaRPr kumimoji="1" lang="ja-JP" altLang="en-US"/>
           </a:p>
@@ -2037,7 +2050,7 @@
           <a:p>
             <a:fld id="{BD38204C-6629-944E-8CB8-AA9AC6FD93FB}" type="datetimeFigureOut">
               <a:rPr kumimoji="1" lang="ja-JP" altLang="en-US" smtClean="0"/>
-              <a:t>2019/6/21</a:t>
+              <a:t>2019/6/23</a:t>
             </a:fld>
             <a:endParaRPr kumimoji="1" lang="ja-JP" altLang="en-US"/>
           </a:p>
@@ -2178,7 +2191,7 @@
           <a:p>
             <a:fld id="{BD38204C-6629-944E-8CB8-AA9AC6FD93FB}" type="datetimeFigureOut">
               <a:rPr kumimoji="1" lang="ja-JP" altLang="en-US" smtClean="0"/>
-              <a:t>2019/6/21</a:t>
+              <a:t>2019/6/23</a:t>
             </a:fld>
             <a:endParaRPr kumimoji="1" lang="ja-JP" altLang="en-US"/>
           </a:p>
@@ -2291,7 +2304,7 @@
           <a:p>
             <a:fld id="{BD38204C-6629-944E-8CB8-AA9AC6FD93FB}" type="datetimeFigureOut">
               <a:rPr kumimoji="1" lang="ja-JP" altLang="en-US" smtClean="0"/>
-              <a:t>2019/6/21</a:t>
+              <a:t>2019/6/23</a:t>
             </a:fld>
             <a:endParaRPr kumimoji="1" lang="ja-JP" altLang="en-US"/>
           </a:p>
@@ -2634,7 +2647,7 @@
           <a:p>
             <a:fld id="{BD38204C-6629-944E-8CB8-AA9AC6FD93FB}" type="datetimeFigureOut">
               <a:rPr kumimoji="1" lang="ja-JP" altLang="en-US" smtClean="0"/>
-              <a:t>2019/6/21</a:t>
+              <a:t>2019/6/23</a:t>
             </a:fld>
             <a:endParaRPr kumimoji="1" lang="ja-JP" altLang="en-US"/>
           </a:p>
@@ -2922,7 +2935,7 @@
           <a:p>
             <a:fld id="{BD38204C-6629-944E-8CB8-AA9AC6FD93FB}" type="datetimeFigureOut">
               <a:rPr kumimoji="1" lang="ja-JP" altLang="en-US" smtClean="0"/>
-              <a:t>2019/6/21</a:t>
+              <a:t>2019/6/23</a:t>
             </a:fld>
             <a:endParaRPr kumimoji="1" lang="ja-JP" altLang="en-US"/>
           </a:p>
@@ -3195,7 +3208,7 @@
           <a:p>
             <a:fld id="{BD38204C-6629-944E-8CB8-AA9AC6FD93FB}" type="datetimeFigureOut">
               <a:rPr kumimoji="1" lang="ja-JP" altLang="en-US" smtClean="0"/>
-              <a:t>2019/6/21</a:t>
+              <a:t>2019/6/23</a:t>
             </a:fld>
             <a:endParaRPr kumimoji="1" lang="ja-JP" altLang="en-US"/>
           </a:p>
@@ -3705,6 +3718,673 @@
 </p:sld>
 </file>
 
+<file path=ppt/slides/slide10.xml><?xml version="1.0" encoding="utf-8"?>
+<p:sld xmlns:a="http://schemas.openxmlformats.org/drawingml/2006/main" xmlns:r="http://schemas.openxmlformats.org/officeDocument/2006/relationships" xmlns:p="http://schemas.openxmlformats.org/presentationml/2006/main">
+  <p:cSld>
+    <p:spTree>
+      <p:nvGrpSpPr>
+        <p:cNvPr id="1" name=""/>
+        <p:cNvGrpSpPr/>
+        <p:nvPr/>
+      </p:nvGrpSpPr>
+      <p:grpSpPr>
+        <a:xfrm>
+          <a:off x="0" y="0"/>
+          <a:ext cx="0" cy="0"/>
+          <a:chOff x="0" y="0"/>
+          <a:chExt cx="0" cy="0"/>
+        </a:xfrm>
+      </p:grpSpPr>
+      <p:sp>
+        <p:nvSpPr>
+          <p:cNvPr id="2" name="タイトル 1">
+            <a:extLst>
+              <a:ext uri="{FF2B5EF4-FFF2-40B4-BE49-F238E27FC236}">
+                <a16:creationId xmlns:a16="http://schemas.microsoft.com/office/drawing/2014/main" id="{E81E41A5-CE86-9A46-BC51-089B8DA7B75B}"/>
+              </a:ext>
+            </a:extLst>
+          </p:cNvPr>
+          <p:cNvSpPr>
+            <a:spLocks noGrp="1"/>
+          </p:cNvSpPr>
+          <p:nvPr>
+            <p:ph type="title"/>
+          </p:nvPr>
+        </p:nvSpPr>
+        <p:spPr>
+          <a:xfrm>
+            <a:off x="628650" y="365126"/>
+            <a:ext cx="7886700" cy="1325563"/>
+          </a:xfrm>
+        </p:spPr>
+        <p:txBody>
+          <a:bodyPr/>
+          <a:lstStyle/>
+          <a:p>
+            <a:r>
+              <a:rPr lang="ja-JP" altLang="en-US"/>
+              <a:t>学習用データのロード</a:t>
+            </a:r>
+            <a:r>
+              <a:rPr lang="en-US" altLang="ja-JP" dirty="0"/>
+              <a:t> 2/3</a:t>
+            </a:r>
+            <a:endParaRPr kumimoji="1" lang="ja-JP" altLang="en-US"/>
+          </a:p>
+        </p:txBody>
+      </p:sp>
+      <p:sp>
+        <p:nvSpPr>
+          <p:cNvPr id="3" name="コンテンツ プレースホルダー 2">
+            <a:extLst>
+              <a:ext uri="{FF2B5EF4-FFF2-40B4-BE49-F238E27FC236}">
+                <a16:creationId xmlns:a16="http://schemas.microsoft.com/office/drawing/2014/main" id="{9BC1B733-5FE8-8D4E-AB7C-E9D2BC9832A2}"/>
+              </a:ext>
+            </a:extLst>
+          </p:cNvPr>
+          <p:cNvSpPr>
+            <a:spLocks noGrp="1"/>
+          </p:cNvSpPr>
+          <p:nvPr>
+            <p:ph idx="1"/>
+          </p:nvPr>
+        </p:nvSpPr>
+        <p:spPr>
+          <a:xfrm>
+            <a:off x="628650" y="1825625"/>
+            <a:ext cx="7886700" cy="4351338"/>
+          </a:xfrm>
+        </p:spPr>
+        <p:txBody>
+          <a:bodyPr/>
+          <a:lstStyle/>
+          <a:p>
+            <a:r>
+              <a:rPr lang="ja-JP" altLang="en-US"/>
+              <a:t>下図赤枠内を実行すると，</a:t>
+            </a:r>
+            <a:r>
+              <a:rPr lang="en-US" altLang="ja-JP" dirty="0"/>
+              <a:t>URL</a:t>
+            </a:r>
+            <a:r>
+              <a:rPr lang="ja-JP" altLang="en-US"/>
+              <a:t>とフォームが出てくる</a:t>
+            </a:r>
+            <a:endParaRPr lang="en-US" altLang="ja-JP" dirty="0"/>
+          </a:p>
+          <a:p>
+            <a:r>
+              <a:rPr kumimoji="1" lang="en-US" altLang="ja-JP" dirty="0"/>
+              <a:t>URL</a:t>
+            </a:r>
+            <a:r>
+              <a:rPr kumimoji="1" lang="ja-JP" altLang="en-US"/>
+              <a:t>に飛ぶと</a:t>
+            </a:r>
+            <a:r>
+              <a:rPr kumimoji="1" lang="en-US" altLang="ja-JP" dirty="0"/>
+              <a:t>google</a:t>
+            </a:r>
+            <a:r>
+              <a:rPr kumimoji="1" lang="ja-JP" altLang="en-US"/>
+              <a:t>アカウントログインフォームが出てくるので，ログイン</a:t>
+            </a:r>
+            <a:endParaRPr kumimoji="1" lang="en-US" altLang="ja-JP" dirty="0"/>
+          </a:p>
+          <a:p>
+            <a:r>
+              <a:rPr lang="ja-JP" altLang="en-US"/>
+              <a:t>ログイン後，コードが出てくるので，フォームに入力</a:t>
+            </a:r>
+            <a:endParaRPr lang="en-US" altLang="ja-JP" dirty="0"/>
+          </a:p>
+          <a:p>
+            <a:pPr lvl="1"/>
+            <a:r>
+              <a:rPr kumimoji="1" lang="ja-JP" altLang="en-US"/>
+              <a:t>連携完了</a:t>
+            </a:r>
+          </a:p>
+        </p:txBody>
+      </p:sp>
+      <p:pic>
+        <p:nvPicPr>
+          <p:cNvPr id="5" name="図 4">
+            <a:extLst>
+              <a:ext uri="{FF2B5EF4-FFF2-40B4-BE49-F238E27FC236}">
+                <a16:creationId xmlns:a16="http://schemas.microsoft.com/office/drawing/2014/main" id="{EB509ADA-8045-8A4F-9016-1817BAB8353D}"/>
+              </a:ext>
+            </a:extLst>
+          </p:cNvPr>
+          <p:cNvPicPr>
+            <a:picLocks noChangeAspect="1"/>
+          </p:cNvPicPr>
+          <p:nvPr/>
+        </p:nvPicPr>
+        <p:blipFill>
+          <a:blip r:embed="rId2"/>
+          <a:stretch>
+            <a:fillRect/>
+          </a:stretch>
+        </p:blipFill>
+        <p:spPr>
+          <a:xfrm>
+            <a:off x="651059" y="3825126"/>
+            <a:ext cx="4894820" cy="2667748"/>
+          </a:xfrm>
+          <a:prstGeom prst="rect">
+            <a:avLst/>
+          </a:prstGeom>
+        </p:spPr>
+      </p:pic>
+      <p:sp>
+        <p:nvSpPr>
+          <p:cNvPr id="7" name="角丸四角形 6">
+            <a:extLst>
+              <a:ext uri="{FF2B5EF4-FFF2-40B4-BE49-F238E27FC236}">
+                <a16:creationId xmlns:a16="http://schemas.microsoft.com/office/drawing/2014/main" id="{DDD674B6-601C-D64D-9893-97FFA40E8856}"/>
+              </a:ext>
+            </a:extLst>
+          </p:cNvPr>
+          <p:cNvSpPr/>
+          <p:nvPr/>
+        </p:nvSpPr>
+        <p:spPr>
+          <a:xfrm>
+            <a:off x="2298455" y="4668613"/>
+            <a:ext cx="3686921" cy="1024161"/>
+          </a:xfrm>
+          <a:prstGeom prst="roundRect">
+            <a:avLst/>
+          </a:prstGeom>
+          <a:noFill/>
+          <a:ln w="19050">
+            <a:solidFill>
+              <a:srgbClr val="FF0000"/>
+            </a:solidFill>
+          </a:ln>
+        </p:spPr>
+        <p:style>
+          <a:lnRef idx="2">
+            <a:schemeClr val="accent1">
+              <a:shade val="50000"/>
+            </a:schemeClr>
+          </a:lnRef>
+          <a:fillRef idx="1">
+            <a:schemeClr val="accent1"/>
+          </a:fillRef>
+          <a:effectRef idx="0">
+            <a:schemeClr val="accent1"/>
+          </a:effectRef>
+          <a:fontRef idx="minor">
+            <a:schemeClr val="lt1"/>
+          </a:fontRef>
+        </p:style>
+        <p:txBody>
+          <a:bodyPr rtlCol="0" anchor="ctr"/>
+          <a:lstStyle/>
+          <a:p>
+            <a:pPr algn="ctr"/>
+            <a:endParaRPr kumimoji="1" lang="ja-JP" altLang="en-US"/>
+          </a:p>
+        </p:txBody>
+      </p:sp>
+      <p:pic>
+        <p:nvPicPr>
+          <p:cNvPr id="9" name="図 8">
+            <a:extLst>
+              <a:ext uri="{FF2B5EF4-FFF2-40B4-BE49-F238E27FC236}">
+                <a16:creationId xmlns:a16="http://schemas.microsoft.com/office/drawing/2014/main" id="{32FAB068-6A80-9A49-A90E-491D8614ABDB}"/>
+              </a:ext>
+            </a:extLst>
+          </p:cNvPr>
+          <p:cNvPicPr>
+            <a:picLocks noChangeAspect="1"/>
+          </p:cNvPicPr>
+          <p:nvPr/>
+        </p:nvPicPr>
+        <p:blipFill>
+          <a:blip r:embed="rId3"/>
+          <a:stretch>
+            <a:fillRect/>
+          </a:stretch>
+        </p:blipFill>
+        <p:spPr>
+          <a:xfrm>
+            <a:off x="4320329" y="5934869"/>
+            <a:ext cx="6244698" cy="800100"/>
+          </a:xfrm>
+          <a:prstGeom prst="rect">
+            <a:avLst/>
+          </a:prstGeom>
+        </p:spPr>
+      </p:pic>
+    </p:spTree>
+    <p:extLst>
+      <p:ext uri="{BB962C8B-B14F-4D97-AF65-F5344CB8AC3E}">
+        <p14:creationId xmlns:p14="http://schemas.microsoft.com/office/powerpoint/2010/main" val="378146062"/>
+      </p:ext>
+    </p:extLst>
+  </p:cSld>
+  <p:clrMapOvr>
+    <a:masterClrMapping/>
+  </p:clrMapOvr>
+</p:sld>
+</file>
+
+<file path=ppt/slides/slide11.xml><?xml version="1.0" encoding="utf-8"?>
+<p:sld xmlns:a="http://schemas.openxmlformats.org/drawingml/2006/main" xmlns:r="http://schemas.openxmlformats.org/officeDocument/2006/relationships" xmlns:p="http://schemas.openxmlformats.org/presentationml/2006/main">
+  <p:cSld>
+    <p:spTree>
+      <p:nvGrpSpPr>
+        <p:cNvPr id="1" name=""/>
+        <p:cNvGrpSpPr/>
+        <p:nvPr/>
+      </p:nvGrpSpPr>
+      <p:grpSpPr>
+        <a:xfrm>
+          <a:off x="0" y="0"/>
+          <a:ext cx="0" cy="0"/>
+          <a:chOff x="0" y="0"/>
+          <a:chExt cx="0" cy="0"/>
+        </a:xfrm>
+      </p:grpSpPr>
+      <p:sp>
+        <p:nvSpPr>
+          <p:cNvPr id="2" name="タイトル 1">
+            <a:extLst>
+              <a:ext uri="{FF2B5EF4-FFF2-40B4-BE49-F238E27FC236}">
+                <a16:creationId xmlns:a16="http://schemas.microsoft.com/office/drawing/2014/main" id="{FAEFA01C-9E59-3D42-AF61-4E1C24B3C446}"/>
+              </a:ext>
+            </a:extLst>
+          </p:cNvPr>
+          <p:cNvSpPr>
+            <a:spLocks noGrp="1"/>
+          </p:cNvSpPr>
+          <p:nvPr>
+            <p:ph type="title"/>
+          </p:nvPr>
+        </p:nvSpPr>
+        <p:spPr/>
+        <p:txBody>
+          <a:bodyPr/>
+          <a:lstStyle/>
+          <a:p>
+            <a:r>
+              <a:rPr kumimoji="1" lang="ja-JP" altLang="en-US"/>
+              <a:t>学習用データのロード</a:t>
+            </a:r>
+            <a:r>
+              <a:rPr kumimoji="1" lang="en-US" altLang="ja-JP" dirty="0"/>
+              <a:t> 3/3</a:t>
+            </a:r>
+            <a:endParaRPr kumimoji="1" lang="ja-JP" altLang="en-US"/>
+          </a:p>
+        </p:txBody>
+      </p:sp>
+      <p:sp>
+        <p:nvSpPr>
+          <p:cNvPr id="3" name="コンテンツ プレースホルダー 2">
+            <a:extLst>
+              <a:ext uri="{FF2B5EF4-FFF2-40B4-BE49-F238E27FC236}">
+                <a16:creationId xmlns:a16="http://schemas.microsoft.com/office/drawing/2014/main" id="{9A28A137-0B41-E449-8E8B-5DB28A79E9BE}"/>
+              </a:ext>
+            </a:extLst>
+          </p:cNvPr>
+          <p:cNvSpPr>
+            <a:spLocks noGrp="1"/>
+          </p:cNvSpPr>
+          <p:nvPr>
+            <p:ph idx="1"/>
+          </p:nvPr>
+        </p:nvSpPr>
+        <p:spPr>
+          <a:xfrm>
+            <a:off x="628650" y="1825625"/>
+            <a:ext cx="8119934" cy="4351338"/>
+          </a:xfrm>
+        </p:spPr>
+        <p:txBody>
+          <a:bodyPr/>
+          <a:lstStyle/>
+          <a:p>
+            <a:r>
+              <a:rPr lang="ja-JP" altLang="en-US"/>
+              <a:t>赤枠の場所より下のセルを</a:t>
+            </a:r>
+            <a:r>
+              <a:rPr kumimoji="1" lang="ja-JP" altLang="en-US"/>
+              <a:t>「</a:t>
+            </a:r>
+            <a:r>
+              <a:rPr kumimoji="1" lang="en-US" altLang="ja-JP" dirty="0" err="1"/>
+              <a:t>Mnist</a:t>
+            </a:r>
+            <a:r>
+              <a:rPr kumimoji="1" lang="ja-JP" altLang="en-US"/>
+              <a:t>分類器の作成」まで全部実行</a:t>
+            </a:r>
+            <a:endParaRPr kumimoji="1" lang="en-US" altLang="ja-JP" dirty="0"/>
+          </a:p>
+          <a:p>
+            <a:pPr lvl="1"/>
+            <a:r>
+              <a:rPr lang="ja-JP" altLang="en-US"/>
+              <a:t>我妻ドライブから各種データを</a:t>
+            </a:r>
+            <a:r>
+              <a:rPr lang="en-US" altLang="ja-JP" dirty="0"/>
+              <a:t>zip</a:t>
+            </a:r>
+            <a:r>
+              <a:rPr lang="ja-JP" altLang="en-US"/>
+              <a:t>ファイルでロード</a:t>
+            </a:r>
+            <a:endParaRPr lang="en-US" altLang="ja-JP" dirty="0"/>
+          </a:p>
+          <a:p>
+            <a:pPr lvl="1"/>
+            <a:r>
+              <a:rPr lang="ja-JP" altLang="en-US"/>
+              <a:t>そのあと解凍</a:t>
+            </a:r>
+            <a:endParaRPr lang="en-US" altLang="ja-JP" dirty="0"/>
+          </a:p>
+          <a:p>
+            <a:pPr lvl="1"/>
+            <a:r>
+              <a:rPr kumimoji="1" lang="ja-JP" altLang="en-US"/>
+              <a:t>解凍後のデータの一部を抜き出す．抜き出したデータをこの後の学習で用いる</a:t>
+            </a:r>
+          </a:p>
+        </p:txBody>
+      </p:sp>
+      <p:pic>
+        <p:nvPicPr>
+          <p:cNvPr id="5" name="図 4">
+            <a:extLst>
+              <a:ext uri="{FF2B5EF4-FFF2-40B4-BE49-F238E27FC236}">
+                <a16:creationId xmlns:a16="http://schemas.microsoft.com/office/drawing/2014/main" id="{6E0B063D-5671-6341-B25D-8B574F1165AF}"/>
+              </a:ext>
+            </a:extLst>
+          </p:cNvPr>
+          <p:cNvPicPr>
+            <a:picLocks noChangeAspect="1"/>
+          </p:cNvPicPr>
+          <p:nvPr/>
+        </p:nvPicPr>
+        <p:blipFill>
+          <a:blip r:embed="rId2"/>
+          <a:stretch>
+            <a:fillRect/>
+          </a:stretch>
+        </p:blipFill>
+        <p:spPr>
+          <a:xfrm>
+            <a:off x="1421027" y="3448829"/>
+            <a:ext cx="5585254" cy="3044045"/>
+          </a:xfrm>
+          <a:prstGeom prst="rect">
+            <a:avLst/>
+          </a:prstGeom>
+        </p:spPr>
+      </p:pic>
+      <p:sp>
+        <p:nvSpPr>
+          <p:cNvPr id="6" name="角丸四角形 5">
+            <a:extLst>
+              <a:ext uri="{FF2B5EF4-FFF2-40B4-BE49-F238E27FC236}">
+                <a16:creationId xmlns:a16="http://schemas.microsoft.com/office/drawing/2014/main" id="{388683DE-6211-FB48-9152-8FFDDA491774}"/>
+              </a:ext>
+            </a:extLst>
+          </p:cNvPr>
+          <p:cNvSpPr/>
+          <p:nvPr/>
+        </p:nvSpPr>
+        <p:spPr>
+          <a:xfrm>
+            <a:off x="3319360" y="5943600"/>
+            <a:ext cx="3686921" cy="549274"/>
+          </a:xfrm>
+          <a:prstGeom prst="roundRect">
+            <a:avLst/>
+          </a:prstGeom>
+          <a:noFill/>
+          <a:ln w="19050">
+            <a:solidFill>
+              <a:srgbClr val="FF0000"/>
+            </a:solidFill>
+          </a:ln>
+        </p:spPr>
+        <p:style>
+          <a:lnRef idx="2">
+            <a:schemeClr val="accent1">
+              <a:shade val="50000"/>
+            </a:schemeClr>
+          </a:lnRef>
+          <a:fillRef idx="1">
+            <a:schemeClr val="accent1"/>
+          </a:fillRef>
+          <a:effectRef idx="0">
+            <a:schemeClr val="accent1"/>
+          </a:effectRef>
+          <a:fontRef idx="minor">
+            <a:schemeClr val="lt1"/>
+          </a:fontRef>
+        </p:style>
+        <p:txBody>
+          <a:bodyPr rtlCol="0" anchor="ctr"/>
+          <a:lstStyle/>
+          <a:p>
+            <a:pPr algn="ctr"/>
+            <a:endParaRPr kumimoji="1" lang="ja-JP" altLang="en-US"/>
+          </a:p>
+        </p:txBody>
+      </p:sp>
+      <p:sp>
+        <p:nvSpPr>
+          <p:cNvPr id="7" name="テキスト ボックス 6">
+            <a:extLst>
+              <a:ext uri="{FF2B5EF4-FFF2-40B4-BE49-F238E27FC236}">
+                <a16:creationId xmlns:a16="http://schemas.microsoft.com/office/drawing/2014/main" id="{A3F964FE-5091-9644-B479-4E6A7F33074F}"/>
+              </a:ext>
+            </a:extLst>
+          </p:cNvPr>
+          <p:cNvSpPr txBox="1"/>
+          <p:nvPr/>
+        </p:nvSpPr>
+        <p:spPr>
+          <a:xfrm>
+            <a:off x="7006281" y="6123542"/>
+            <a:ext cx="1338828" cy="369332"/>
+          </a:xfrm>
+          <a:prstGeom prst="rect">
+            <a:avLst/>
+          </a:prstGeom>
+          <a:noFill/>
+        </p:spPr>
+        <p:txBody>
+          <a:bodyPr wrap="none" rtlCol="0">
+            <a:spAutoFit/>
+          </a:bodyPr>
+          <a:lstStyle/>
+          <a:p>
+            <a:r>
+              <a:rPr kumimoji="1" lang="ja-JP" altLang="en-US"/>
+              <a:t>ここから下</a:t>
+            </a:r>
+          </a:p>
+        </p:txBody>
+      </p:sp>
+    </p:spTree>
+    <p:extLst>
+      <p:ext uri="{BB962C8B-B14F-4D97-AF65-F5344CB8AC3E}">
+        <p14:creationId xmlns:p14="http://schemas.microsoft.com/office/powerpoint/2010/main" val="550584146"/>
+      </p:ext>
+    </p:extLst>
+  </p:cSld>
+  <p:clrMapOvr>
+    <a:masterClrMapping/>
+  </p:clrMapOvr>
+</p:sld>
+</file>
+
+<file path=ppt/slides/slide12.xml><?xml version="1.0" encoding="utf-8"?>
+<p:sld xmlns:a="http://schemas.openxmlformats.org/drawingml/2006/main" xmlns:r="http://schemas.openxmlformats.org/officeDocument/2006/relationships" xmlns:p="http://schemas.openxmlformats.org/presentationml/2006/main">
+  <p:cSld>
+    <p:spTree>
+      <p:nvGrpSpPr>
+        <p:cNvPr id="1" name=""/>
+        <p:cNvGrpSpPr/>
+        <p:nvPr/>
+      </p:nvGrpSpPr>
+      <p:grpSpPr>
+        <a:xfrm>
+          <a:off x="0" y="0"/>
+          <a:ext cx="0" cy="0"/>
+          <a:chOff x="0" y="0"/>
+          <a:chExt cx="0" cy="0"/>
+        </a:xfrm>
+      </p:grpSpPr>
+      <p:sp>
+        <p:nvSpPr>
+          <p:cNvPr id="2" name="タイトル 1">
+            <a:extLst>
+              <a:ext uri="{FF2B5EF4-FFF2-40B4-BE49-F238E27FC236}">
+                <a16:creationId xmlns:a16="http://schemas.microsoft.com/office/drawing/2014/main" id="{E158D054-AD7D-3040-BB45-9CAAB7F0724C}"/>
+              </a:ext>
+            </a:extLst>
+          </p:cNvPr>
+          <p:cNvSpPr>
+            <a:spLocks noGrp="1"/>
+          </p:cNvSpPr>
+          <p:nvPr>
+            <p:ph type="title"/>
+          </p:nvPr>
+        </p:nvSpPr>
+        <p:spPr/>
+        <p:txBody>
+          <a:bodyPr/>
+          <a:lstStyle/>
+          <a:p>
+            <a:r>
+              <a:rPr kumimoji="1" lang="ja-JP" altLang="en-US"/>
+              <a:t>ロードしたデータのリセットについて</a:t>
+            </a:r>
+          </a:p>
+        </p:txBody>
+      </p:sp>
+      <p:sp>
+        <p:nvSpPr>
+          <p:cNvPr id="3" name="コンテンツ プレースホルダー 2">
+            <a:extLst>
+              <a:ext uri="{FF2B5EF4-FFF2-40B4-BE49-F238E27FC236}">
+                <a16:creationId xmlns:a16="http://schemas.microsoft.com/office/drawing/2014/main" id="{0A777099-C5BA-5542-8E48-5AB98C547637}"/>
+              </a:ext>
+            </a:extLst>
+          </p:cNvPr>
+          <p:cNvSpPr>
+            <a:spLocks noGrp="1"/>
+          </p:cNvSpPr>
+          <p:nvPr>
+            <p:ph idx="1"/>
+          </p:nvPr>
+        </p:nvSpPr>
+        <p:spPr/>
+        <p:txBody>
+          <a:bodyPr/>
+          <a:lstStyle/>
+          <a:p>
+            <a:r>
+              <a:rPr kumimoji="1" lang="en-US" altLang="ja-JP" dirty="0"/>
+              <a:t>Google </a:t>
+            </a:r>
+            <a:r>
+              <a:rPr kumimoji="1" lang="en-US" altLang="ja-JP" dirty="0" err="1"/>
+              <a:t>Colaboratory</a:t>
+            </a:r>
+            <a:r>
+              <a:rPr lang="ja-JP" altLang="en-US"/>
+              <a:t>の制限によりデータが消える</a:t>
+            </a:r>
+            <a:endParaRPr lang="en-US" altLang="ja-JP" dirty="0"/>
+          </a:p>
+          <a:p>
+            <a:pPr lvl="1">
+              <a:tabLst>
+                <a:tab pos="1146175" algn="l"/>
+              </a:tabLst>
+            </a:pPr>
+            <a:r>
+              <a:rPr kumimoji="1" lang="en-US" altLang="ja-JP" dirty="0"/>
+              <a:t>90</a:t>
+            </a:r>
+            <a:r>
+              <a:rPr kumimoji="1" lang="ja-JP" altLang="en-US"/>
+              <a:t>分でセッション切断</a:t>
+            </a:r>
+            <a:r>
+              <a:rPr kumimoji="1" lang="en-US" altLang="ja-JP" dirty="0"/>
+              <a:t> (</a:t>
+            </a:r>
+            <a:r>
+              <a:rPr lang="ja-JP" altLang="en-US"/>
+              <a:t>実行中のセルが止まる，インポートしたライブラリがリセット</a:t>
+            </a:r>
+            <a:r>
+              <a:rPr kumimoji="1" lang="en-US" altLang="ja-JP" dirty="0"/>
+              <a:t>)</a:t>
+            </a:r>
+          </a:p>
+          <a:p>
+            <a:pPr marL="342900" lvl="1" indent="0">
+              <a:buNone/>
+              <a:tabLst>
+                <a:tab pos="1146175" algn="l"/>
+              </a:tabLst>
+            </a:pPr>
+            <a:endParaRPr kumimoji="1" lang="en-US" altLang="ja-JP" dirty="0"/>
+          </a:p>
+          <a:p>
+            <a:pPr lvl="1"/>
+            <a:r>
+              <a:rPr lang="en-US" altLang="ja-JP" dirty="0"/>
+              <a:t>12</a:t>
+            </a:r>
+            <a:r>
+              <a:rPr lang="ja-JP" altLang="en-US"/>
+              <a:t>時間でインスタンスリセット</a:t>
+            </a:r>
+            <a:r>
+              <a:rPr lang="en-US" altLang="ja-JP" dirty="0"/>
+              <a:t> (</a:t>
+            </a:r>
+            <a:r>
+              <a:rPr lang="ja-JP" altLang="en-US"/>
+              <a:t>ノートブック上のデータが消える，環境リセット</a:t>
+            </a:r>
+            <a:r>
+              <a:rPr lang="en-US" altLang="ja-JP" dirty="0"/>
+              <a:t>)</a:t>
+            </a:r>
+            <a:endParaRPr kumimoji="1" lang="ja-JP" altLang="en-US"/>
+          </a:p>
+        </p:txBody>
+      </p:sp>
+    </p:spTree>
+    <p:extLst>
+      <p:ext uri="{BB962C8B-B14F-4D97-AF65-F5344CB8AC3E}">
+        <p14:creationId xmlns:p14="http://schemas.microsoft.com/office/powerpoint/2010/main" val="1897705898"/>
+      </p:ext>
+    </p:extLst>
+  </p:cSld>
+  <p:clrMapOvr>
+    <a:masterClrMapping/>
+  </p:clrMapOvr>
+</p:sld>
+</file>
+
 <file path=ppt/slides/slide2.xml><?xml version="1.0" encoding="utf-8"?>
 <p:sld xmlns:a="http://schemas.openxmlformats.org/drawingml/2006/main" xmlns:r="http://schemas.openxmlformats.org/officeDocument/2006/relationships" xmlns:p="http://schemas.openxmlformats.org/presentationml/2006/main">
   <p:cSld>
@@ -3956,8 +4636,12 @@
           <a:p>
             <a:pPr lvl="1"/>
             <a:r>
+              <a:rPr lang="en-US" altLang="ja-JP" dirty="0"/>
+              <a:t>K80</a:t>
+            </a:r>
+            <a:r>
               <a:rPr lang="ja-JP" altLang="en-US"/>
-              <a:t>価格：</a:t>
+              <a:t>：</a:t>
             </a:r>
             <a:r>
               <a:rPr lang="en-US" altLang="ja-JP" dirty="0"/>
@@ -4195,6 +4879,18 @@
           <a:bodyPr/>
           <a:lstStyle/>
           <a:p>
+            <a:r>
+              <a:rPr lang="en-US" altLang="ja-JP" dirty="0" err="1"/>
+              <a:t>Colab</a:t>
+            </a:r>
+            <a:r>
+              <a:rPr lang="ja-JP" altLang="en-US"/>
+              <a:t>を使う準備</a:t>
+            </a:r>
+            <a:r>
+              <a:rPr lang="en-US" altLang="ja-JP" dirty="0"/>
+              <a:t> 1/5</a:t>
+            </a:r>
             <a:endParaRPr kumimoji="1" lang="ja-JP" altLang="en-US"/>
           </a:p>
         </p:txBody>
@@ -4215,19 +4911,1448 @@
             <p:ph idx="1"/>
           </p:nvPr>
         </p:nvSpPr>
-        <p:spPr/>
-        <p:txBody>
-          <a:bodyPr/>
-          <a:lstStyle/>
-          <a:p>
-            <a:endParaRPr kumimoji="1" lang="ja-JP" altLang="en-US"/>
-          </a:p>
-        </p:txBody>
-      </p:sp>
+        <p:spPr>
+          <a:xfrm>
+            <a:off x="628650" y="1825625"/>
+            <a:ext cx="8515350" cy="4351338"/>
+          </a:xfrm>
+        </p:spPr>
+        <p:txBody>
+          <a:bodyPr/>
+          <a:lstStyle/>
+          <a:p>
+            <a:r>
+              <a:rPr lang="ja-JP" altLang="en-US"/>
+              <a:t>下記リンクへアクセス</a:t>
+            </a:r>
+            <a:endParaRPr lang="en-US" altLang="ja-JP" dirty="0"/>
+          </a:p>
+          <a:p>
+            <a:pPr lvl="1"/>
+            <a:r>
+              <a:rPr lang="en-US" altLang="ja-JP" dirty="0">
+                <a:hlinkClick r:id="rId2"/>
+              </a:rPr>
+              <a:t>https://colab.research.google.com/</a:t>
+            </a:r>
+            <a:endParaRPr lang="en-US" altLang="ja-JP" dirty="0"/>
+          </a:p>
+          <a:p>
+            <a:pPr lvl="1"/>
+            <a:endParaRPr lang="en-US" altLang="ja-JP" dirty="0"/>
+          </a:p>
+          <a:p>
+            <a:r>
+              <a:rPr lang="ja-JP" altLang="en-US"/>
+              <a:t>下図の画面が出てくると思うので，下部の「新しいノートブック」からノートブック作成</a:t>
+            </a:r>
+            <a:endParaRPr lang="en-US" altLang="ja-JP" dirty="0"/>
+          </a:p>
+          <a:p>
+            <a:pPr lvl="1"/>
+            <a:r>
+              <a:rPr lang="ja-JP" altLang="en-US"/>
+              <a:t>ドライブのホームディレクトリ直下に「</a:t>
+            </a:r>
+            <a:r>
+              <a:rPr lang="en-US" altLang="ja-JP" dirty="0"/>
+              <a:t>google </a:t>
+            </a:r>
+            <a:r>
+              <a:rPr lang="en-US" altLang="ja-JP" dirty="0" err="1"/>
+              <a:t>colaboratory</a:t>
+            </a:r>
+            <a:r>
+              <a:rPr lang="ja-JP" altLang="en-US"/>
+              <a:t>」というディレクトリができて，その下に作ったノートブックが格納される</a:t>
+            </a:r>
+            <a:endParaRPr lang="en-US" altLang="ja-JP" dirty="0"/>
+          </a:p>
+          <a:p>
+            <a:pPr lvl="1"/>
+            <a:endParaRPr kumimoji="1" lang="en-US" altLang="ja-JP" dirty="0"/>
+          </a:p>
+        </p:txBody>
+      </p:sp>
+      <p:pic>
+        <p:nvPicPr>
+          <p:cNvPr id="5" name="図 4">
+            <a:extLst>
+              <a:ext uri="{FF2B5EF4-FFF2-40B4-BE49-F238E27FC236}">
+                <a16:creationId xmlns:a16="http://schemas.microsoft.com/office/drawing/2014/main" id="{956EE120-4CE7-704E-B5D8-0A6823421FE6}"/>
+              </a:ext>
+            </a:extLst>
+          </p:cNvPr>
+          <p:cNvPicPr>
+            <a:picLocks noChangeAspect="1"/>
+          </p:cNvPicPr>
+          <p:nvPr/>
+        </p:nvPicPr>
+        <p:blipFill>
+          <a:blip r:embed="rId3"/>
+          <a:stretch>
+            <a:fillRect/>
+          </a:stretch>
+        </p:blipFill>
+        <p:spPr>
+          <a:xfrm>
+            <a:off x="2656703" y="4089173"/>
+            <a:ext cx="3830594" cy="2614677"/>
+          </a:xfrm>
+          <a:prstGeom prst="rect">
+            <a:avLst/>
+          </a:prstGeom>
+        </p:spPr>
+      </p:pic>
     </p:spTree>
     <p:extLst>
       <p:ext uri="{BB962C8B-B14F-4D97-AF65-F5344CB8AC3E}">
         <p14:creationId xmlns:p14="http://schemas.microsoft.com/office/powerpoint/2010/main" val="4052726382"/>
+      </p:ext>
+    </p:extLst>
+  </p:cSld>
+  <p:clrMapOvr>
+    <a:masterClrMapping/>
+  </p:clrMapOvr>
+</p:sld>
+</file>
+
+<file path=ppt/slides/slide5.xml><?xml version="1.0" encoding="utf-8"?>
+<p:sld xmlns:a="http://schemas.openxmlformats.org/drawingml/2006/main" xmlns:r="http://schemas.openxmlformats.org/officeDocument/2006/relationships" xmlns:p="http://schemas.openxmlformats.org/presentationml/2006/main">
+  <p:cSld>
+    <p:spTree>
+      <p:nvGrpSpPr>
+        <p:cNvPr id="1" name=""/>
+        <p:cNvGrpSpPr/>
+        <p:nvPr/>
+      </p:nvGrpSpPr>
+      <p:grpSpPr>
+        <a:xfrm>
+          <a:off x="0" y="0"/>
+          <a:ext cx="0" cy="0"/>
+          <a:chOff x="0" y="0"/>
+          <a:chExt cx="0" cy="0"/>
+        </a:xfrm>
+      </p:grpSpPr>
+      <p:sp>
+        <p:nvSpPr>
+          <p:cNvPr id="2" name="タイトル 1">
+            <a:extLst>
+              <a:ext uri="{FF2B5EF4-FFF2-40B4-BE49-F238E27FC236}">
+                <a16:creationId xmlns:a16="http://schemas.microsoft.com/office/drawing/2014/main" id="{8563764C-7265-174A-8E4B-7470352A108B}"/>
+              </a:ext>
+            </a:extLst>
+          </p:cNvPr>
+          <p:cNvSpPr>
+            <a:spLocks noGrp="1"/>
+          </p:cNvSpPr>
+          <p:nvPr>
+            <p:ph type="title"/>
+          </p:nvPr>
+        </p:nvSpPr>
+        <p:spPr>
+          <a:xfrm>
+            <a:off x="628650" y="365126"/>
+            <a:ext cx="7886700" cy="1325563"/>
+          </a:xfrm>
+        </p:spPr>
+        <p:txBody>
+          <a:bodyPr/>
+          <a:lstStyle/>
+          <a:p>
+            <a:r>
+              <a:rPr kumimoji="1" lang="en-US" altLang="ja-JP" dirty="0" err="1"/>
+              <a:t>Colab</a:t>
+            </a:r>
+            <a:r>
+              <a:rPr kumimoji="1" lang="ja-JP" altLang="en-US"/>
+              <a:t>を使う準備</a:t>
+            </a:r>
+            <a:r>
+              <a:rPr kumimoji="1" lang="en-US" altLang="ja-JP" dirty="0"/>
+              <a:t> 2/5</a:t>
+            </a:r>
+            <a:endParaRPr kumimoji="1" lang="ja-JP" altLang="en-US"/>
+          </a:p>
+        </p:txBody>
+      </p:sp>
+      <p:sp>
+        <p:nvSpPr>
+          <p:cNvPr id="3" name="コンテンツ プレースホルダー 2">
+            <a:extLst>
+              <a:ext uri="{FF2B5EF4-FFF2-40B4-BE49-F238E27FC236}">
+                <a16:creationId xmlns:a16="http://schemas.microsoft.com/office/drawing/2014/main" id="{256D5EEA-301D-1448-B7DD-06C25C60EE8D}"/>
+              </a:ext>
+            </a:extLst>
+          </p:cNvPr>
+          <p:cNvSpPr>
+            <a:spLocks noGrp="1"/>
+          </p:cNvSpPr>
+          <p:nvPr>
+            <p:ph idx="1"/>
+          </p:nvPr>
+        </p:nvSpPr>
+        <p:spPr>
+          <a:xfrm>
+            <a:off x="628650" y="1825625"/>
+            <a:ext cx="7886700" cy="4351338"/>
+          </a:xfrm>
+        </p:spPr>
+        <p:txBody>
+          <a:bodyPr/>
+          <a:lstStyle/>
+          <a:p>
+            <a:r>
+              <a:rPr kumimoji="1" lang="ja-JP" altLang="en-US"/>
+              <a:t>ノートブック作成はドライブ側からも可能</a:t>
+            </a:r>
+          </a:p>
+        </p:txBody>
+      </p:sp>
+      <p:pic>
+        <p:nvPicPr>
+          <p:cNvPr id="5" name="図 4">
+            <a:extLst>
+              <a:ext uri="{FF2B5EF4-FFF2-40B4-BE49-F238E27FC236}">
+                <a16:creationId xmlns:a16="http://schemas.microsoft.com/office/drawing/2014/main" id="{D008E27C-6813-A64E-BC46-9A5AD8CEBF79}"/>
+              </a:ext>
+            </a:extLst>
+          </p:cNvPr>
+          <p:cNvPicPr>
+            <a:picLocks noChangeAspect="1"/>
+          </p:cNvPicPr>
+          <p:nvPr/>
+        </p:nvPicPr>
+        <p:blipFill>
+          <a:blip r:embed="rId2"/>
+          <a:stretch>
+            <a:fillRect/>
+          </a:stretch>
+        </p:blipFill>
+        <p:spPr>
+          <a:xfrm>
+            <a:off x="628650" y="2436095"/>
+            <a:ext cx="3357455" cy="1816933"/>
+          </a:xfrm>
+          <a:prstGeom prst="rect">
+            <a:avLst/>
+          </a:prstGeom>
+          <a:ln>
+            <a:solidFill>
+              <a:schemeClr val="tx1"/>
+            </a:solidFill>
+          </a:ln>
+        </p:spPr>
+      </p:pic>
+      <p:pic>
+        <p:nvPicPr>
+          <p:cNvPr id="7" name="図 6">
+            <a:extLst>
+              <a:ext uri="{FF2B5EF4-FFF2-40B4-BE49-F238E27FC236}">
+                <a16:creationId xmlns:a16="http://schemas.microsoft.com/office/drawing/2014/main" id="{C278F93B-B656-3648-845B-881C4673063B}"/>
+              </a:ext>
+            </a:extLst>
+          </p:cNvPr>
+          <p:cNvPicPr>
+            <a:picLocks noChangeAspect="1"/>
+          </p:cNvPicPr>
+          <p:nvPr/>
+        </p:nvPicPr>
+        <p:blipFill>
+          <a:blip r:embed="rId3"/>
+          <a:stretch>
+            <a:fillRect/>
+          </a:stretch>
+        </p:blipFill>
+        <p:spPr>
+          <a:xfrm>
+            <a:off x="5157897" y="2436095"/>
+            <a:ext cx="3200400" cy="1868001"/>
+          </a:xfrm>
+          <a:prstGeom prst="rect">
+            <a:avLst/>
+          </a:prstGeom>
+          <a:ln>
+            <a:solidFill>
+              <a:schemeClr val="tx1"/>
+            </a:solidFill>
+          </a:ln>
+        </p:spPr>
+      </p:pic>
+      <p:pic>
+        <p:nvPicPr>
+          <p:cNvPr id="11" name="図 10">
+            <a:extLst>
+              <a:ext uri="{FF2B5EF4-FFF2-40B4-BE49-F238E27FC236}">
+                <a16:creationId xmlns:a16="http://schemas.microsoft.com/office/drawing/2014/main" id="{9F9A0739-2B18-334B-AFBC-859A3B18999D}"/>
+              </a:ext>
+            </a:extLst>
+          </p:cNvPr>
+          <p:cNvPicPr>
+            <a:picLocks noChangeAspect="1"/>
+          </p:cNvPicPr>
+          <p:nvPr/>
+        </p:nvPicPr>
+        <p:blipFill>
+          <a:blip r:embed="rId4"/>
+          <a:stretch>
+            <a:fillRect/>
+          </a:stretch>
+        </p:blipFill>
+        <p:spPr>
+          <a:xfrm>
+            <a:off x="2763753" y="5180612"/>
+            <a:ext cx="2949229" cy="1567062"/>
+          </a:xfrm>
+          <a:prstGeom prst="rect">
+            <a:avLst/>
+          </a:prstGeom>
+          <a:ln>
+            <a:solidFill>
+              <a:schemeClr val="tx1"/>
+            </a:solidFill>
+          </a:ln>
+        </p:spPr>
+      </p:pic>
+      <p:sp>
+        <p:nvSpPr>
+          <p:cNvPr id="12" name="角丸四角形 11">
+            <a:extLst>
+              <a:ext uri="{FF2B5EF4-FFF2-40B4-BE49-F238E27FC236}">
+                <a16:creationId xmlns:a16="http://schemas.microsoft.com/office/drawing/2014/main" id="{49B86CE4-3E4B-F047-8E7C-D18693BCA890}"/>
+              </a:ext>
+            </a:extLst>
+          </p:cNvPr>
+          <p:cNvSpPr/>
+          <p:nvPr/>
+        </p:nvSpPr>
+        <p:spPr>
+          <a:xfrm>
+            <a:off x="628650" y="2335426"/>
+            <a:ext cx="434032" cy="367155"/>
+          </a:xfrm>
+          <a:prstGeom prst="roundRect">
+            <a:avLst/>
+          </a:prstGeom>
+          <a:noFill/>
+          <a:ln w="38100">
+            <a:solidFill>
+              <a:srgbClr val="FF0000"/>
+            </a:solidFill>
+          </a:ln>
+        </p:spPr>
+        <p:style>
+          <a:lnRef idx="2">
+            <a:schemeClr val="accent1">
+              <a:shade val="50000"/>
+            </a:schemeClr>
+          </a:lnRef>
+          <a:fillRef idx="1">
+            <a:schemeClr val="accent1"/>
+          </a:fillRef>
+          <a:effectRef idx="0">
+            <a:schemeClr val="accent1"/>
+          </a:effectRef>
+          <a:fontRef idx="minor">
+            <a:schemeClr val="lt1"/>
+          </a:fontRef>
+        </p:style>
+        <p:txBody>
+          <a:bodyPr rtlCol="0" anchor="ctr"/>
+          <a:lstStyle/>
+          <a:p>
+            <a:pPr algn="ctr"/>
+            <a:endParaRPr kumimoji="1" lang="ja-JP" altLang="en-US"/>
+          </a:p>
+        </p:txBody>
+      </p:sp>
+      <p:sp>
+        <p:nvSpPr>
+          <p:cNvPr id="19" name="角丸四角形 18">
+            <a:extLst>
+              <a:ext uri="{FF2B5EF4-FFF2-40B4-BE49-F238E27FC236}">
+                <a16:creationId xmlns:a16="http://schemas.microsoft.com/office/drawing/2014/main" id="{C799426F-A206-7D47-B6B9-9F98B684BE28}"/>
+              </a:ext>
+            </a:extLst>
+          </p:cNvPr>
+          <p:cNvSpPr/>
+          <p:nvPr/>
+        </p:nvSpPr>
+        <p:spPr>
+          <a:xfrm>
+            <a:off x="6247912" y="3694670"/>
+            <a:ext cx="1363850" cy="185351"/>
+          </a:xfrm>
+          <a:prstGeom prst="roundRect">
+            <a:avLst/>
+          </a:prstGeom>
+          <a:noFill/>
+          <a:ln w="19050">
+            <a:solidFill>
+              <a:srgbClr val="FF0000"/>
+            </a:solidFill>
+          </a:ln>
+        </p:spPr>
+        <p:style>
+          <a:lnRef idx="2">
+            <a:schemeClr val="accent1">
+              <a:shade val="50000"/>
+            </a:schemeClr>
+          </a:lnRef>
+          <a:fillRef idx="1">
+            <a:schemeClr val="accent1"/>
+          </a:fillRef>
+          <a:effectRef idx="0">
+            <a:schemeClr val="accent1"/>
+          </a:effectRef>
+          <a:fontRef idx="minor">
+            <a:schemeClr val="lt1"/>
+          </a:fontRef>
+        </p:style>
+        <p:txBody>
+          <a:bodyPr rtlCol="0" anchor="ctr"/>
+          <a:lstStyle/>
+          <a:p>
+            <a:pPr algn="ctr"/>
+            <a:endParaRPr kumimoji="1" lang="ja-JP" altLang="en-US"/>
+          </a:p>
+        </p:txBody>
+      </p:sp>
+      <p:cxnSp>
+        <p:nvCxnSpPr>
+          <p:cNvPr id="15" name="直線矢印コネクタ 14">
+            <a:extLst>
+              <a:ext uri="{FF2B5EF4-FFF2-40B4-BE49-F238E27FC236}">
+                <a16:creationId xmlns:a16="http://schemas.microsoft.com/office/drawing/2014/main" id="{50A91747-4DDF-BF4F-B5F5-593980B628B7}"/>
+              </a:ext>
+            </a:extLst>
+          </p:cNvPr>
+          <p:cNvCxnSpPr/>
+          <p:nvPr/>
+        </p:nvCxnSpPr>
+        <p:spPr>
+          <a:xfrm>
+            <a:off x="4238368" y="3370095"/>
+            <a:ext cx="556054" cy="0"/>
+          </a:xfrm>
+          <a:prstGeom prst="straightConnector1">
+            <a:avLst/>
+          </a:prstGeom>
+          <a:ln>
+            <a:tailEnd type="triangle"/>
+          </a:ln>
+        </p:spPr>
+        <p:style>
+          <a:lnRef idx="1">
+            <a:schemeClr val="accent1"/>
+          </a:lnRef>
+          <a:fillRef idx="0">
+            <a:schemeClr val="accent1"/>
+          </a:fillRef>
+          <a:effectRef idx="0">
+            <a:schemeClr val="accent1"/>
+          </a:effectRef>
+          <a:fontRef idx="minor">
+            <a:schemeClr val="tx1"/>
+          </a:fontRef>
+        </p:style>
+      </p:cxnSp>
+      <p:cxnSp>
+        <p:nvCxnSpPr>
+          <p:cNvPr id="21" name="直線矢印コネクタ 20">
+            <a:extLst>
+              <a:ext uri="{FF2B5EF4-FFF2-40B4-BE49-F238E27FC236}">
+                <a16:creationId xmlns:a16="http://schemas.microsoft.com/office/drawing/2014/main" id="{01E5FC30-89C8-8644-AF30-184EBFD4DECA}"/>
+              </a:ext>
+            </a:extLst>
+          </p:cNvPr>
+          <p:cNvCxnSpPr/>
+          <p:nvPr/>
+        </p:nvCxnSpPr>
+        <p:spPr>
+          <a:xfrm flipH="1">
+            <a:off x="6141308" y="4596714"/>
+            <a:ext cx="788529" cy="1000897"/>
+          </a:xfrm>
+          <a:prstGeom prst="straightConnector1">
+            <a:avLst/>
+          </a:prstGeom>
+          <a:ln>
+            <a:tailEnd type="triangle"/>
+          </a:ln>
+        </p:spPr>
+        <p:style>
+          <a:lnRef idx="1">
+            <a:schemeClr val="accent1"/>
+          </a:lnRef>
+          <a:fillRef idx="0">
+            <a:schemeClr val="accent1"/>
+          </a:fillRef>
+          <a:effectRef idx="0">
+            <a:schemeClr val="accent1"/>
+          </a:effectRef>
+          <a:fontRef idx="minor">
+            <a:schemeClr val="tx1"/>
+          </a:fontRef>
+        </p:style>
+      </p:cxnSp>
+      <p:sp>
+        <p:nvSpPr>
+          <p:cNvPr id="23" name="角丸四角形 22">
+            <a:extLst>
+              <a:ext uri="{FF2B5EF4-FFF2-40B4-BE49-F238E27FC236}">
+                <a16:creationId xmlns:a16="http://schemas.microsoft.com/office/drawing/2014/main" id="{45318055-F81E-C74F-A2D0-9A1B496AED9D}"/>
+              </a:ext>
+            </a:extLst>
+          </p:cNvPr>
+          <p:cNvSpPr/>
+          <p:nvPr/>
+        </p:nvSpPr>
+        <p:spPr>
+          <a:xfrm>
+            <a:off x="4100010" y="5817563"/>
+            <a:ext cx="832769" cy="733471"/>
+          </a:xfrm>
+          <a:prstGeom prst="roundRect">
+            <a:avLst/>
+          </a:prstGeom>
+          <a:noFill/>
+          <a:ln w="19050">
+            <a:solidFill>
+              <a:srgbClr val="FF0000"/>
+            </a:solidFill>
+          </a:ln>
+        </p:spPr>
+        <p:style>
+          <a:lnRef idx="2">
+            <a:schemeClr val="accent1">
+              <a:shade val="50000"/>
+            </a:schemeClr>
+          </a:lnRef>
+          <a:fillRef idx="1">
+            <a:schemeClr val="accent1"/>
+          </a:fillRef>
+          <a:effectRef idx="0">
+            <a:schemeClr val="accent1"/>
+          </a:effectRef>
+          <a:fontRef idx="minor">
+            <a:schemeClr val="lt1"/>
+          </a:fontRef>
+        </p:style>
+        <p:txBody>
+          <a:bodyPr rtlCol="0" anchor="ctr"/>
+          <a:lstStyle/>
+          <a:p>
+            <a:pPr algn="ctr"/>
+            <a:endParaRPr kumimoji="1" lang="ja-JP" altLang="en-US"/>
+          </a:p>
+        </p:txBody>
+      </p:sp>
+    </p:spTree>
+    <p:extLst>
+      <p:ext uri="{BB962C8B-B14F-4D97-AF65-F5344CB8AC3E}">
+        <p14:creationId xmlns:p14="http://schemas.microsoft.com/office/powerpoint/2010/main" val="152022712"/>
+      </p:ext>
+    </p:extLst>
+  </p:cSld>
+  <p:clrMapOvr>
+    <a:masterClrMapping/>
+  </p:clrMapOvr>
+</p:sld>
+</file>
+
+<file path=ppt/slides/slide6.xml><?xml version="1.0" encoding="utf-8"?>
+<p:sld xmlns:a="http://schemas.openxmlformats.org/drawingml/2006/main" xmlns:r="http://schemas.openxmlformats.org/officeDocument/2006/relationships" xmlns:p="http://schemas.openxmlformats.org/presentationml/2006/main">
+  <p:cSld>
+    <p:spTree>
+      <p:nvGrpSpPr>
+        <p:cNvPr id="1" name=""/>
+        <p:cNvGrpSpPr/>
+        <p:nvPr/>
+      </p:nvGrpSpPr>
+      <p:grpSpPr>
+        <a:xfrm>
+          <a:off x="0" y="0"/>
+          <a:ext cx="0" cy="0"/>
+          <a:chOff x="0" y="0"/>
+          <a:chExt cx="0" cy="0"/>
+        </a:xfrm>
+      </p:grpSpPr>
+      <p:sp>
+        <p:nvSpPr>
+          <p:cNvPr id="2" name="タイトル 1">
+            <a:extLst>
+              <a:ext uri="{FF2B5EF4-FFF2-40B4-BE49-F238E27FC236}">
+                <a16:creationId xmlns:a16="http://schemas.microsoft.com/office/drawing/2014/main" id="{63C8D91B-10BC-584D-B320-D7E8DDA0EC88}"/>
+              </a:ext>
+            </a:extLst>
+          </p:cNvPr>
+          <p:cNvSpPr>
+            <a:spLocks noGrp="1"/>
+          </p:cNvSpPr>
+          <p:nvPr>
+            <p:ph type="title"/>
+          </p:nvPr>
+        </p:nvSpPr>
+        <p:spPr/>
+        <p:txBody>
+          <a:bodyPr/>
+          <a:lstStyle/>
+          <a:p>
+            <a:r>
+              <a:rPr kumimoji="1" lang="en-US" altLang="ja-JP" dirty="0" err="1"/>
+              <a:t>Colab</a:t>
+            </a:r>
+            <a:r>
+              <a:rPr kumimoji="1" lang="ja-JP" altLang="en-US"/>
+              <a:t>を使う準備</a:t>
+            </a:r>
+            <a:r>
+              <a:rPr kumimoji="1" lang="en-US" altLang="ja-JP" dirty="0"/>
+              <a:t> 3/5 Jupiter</a:t>
+            </a:r>
+            <a:r>
+              <a:rPr lang="ja-JP" altLang="en-US"/>
+              <a:t>について</a:t>
+            </a:r>
+            <a:endParaRPr kumimoji="1" lang="ja-JP" altLang="en-US"/>
+          </a:p>
+        </p:txBody>
+      </p:sp>
+      <p:sp>
+        <p:nvSpPr>
+          <p:cNvPr id="3" name="コンテンツ プレースホルダー 2">
+            <a:extLst>
+              <a:ext uri="{FF2B5EF4-FFF2-40B4-BE49-F238E27FC236}">
+                <a16:creationId xmlns:a16="http://schemas.microsoft.com/office/drawing/2014/main" id="{29DB88C7-EC5C-4041-93DA-A0E7D9323F5E}"/>
+              </a:ext>
+            </a:extLst>
+          </p:cNvPr>
+          <p:cNvSpPr>
+            <a:spLocks noGrp="1"/>
+          </p:cNvSpPr>
+          <p:nvPr>
+            <p:ph idx="1"/>
+          </p:nvPr>
+        </p:nvSpPr>
+        <p:spPr/>
+        <p:txBody>
+          <a:bodyPr/>
+          <a:lstStyle/>
+          <a:p>
+            <a:r>
+              <a:rPr kumimoji="1" lang="ja-JP" altLang="en-US"/>
+              <a:t>コードを分割して実行できる</a:t>
+            </a:r>
+            <a:endParaRPr kumimoji="1" lang="en-US" altLang="ja-JP" dirty="0"/>
+          </a:p>
+          <a:p>
+            <a:pPr lvl="1"/>
+            <a:r>
+              <a:rPr lang="ja-JP" altLang="en-US"/>
+              <a:t>分割の単位：セル</a:t>
+            </a:r>
+            <a:endParaRPr lang="en-US" altLang="ja-JP" dirty="0"/>
+          </a:p>
+          <a:p>
+            <a:pPr lvl="1"/>
+            <a:r>
+              <a:rPr kumimoji="1" lang="ja-JP" altLang="en-US"/>
+              <a:t>図左上「</a:t>
+            </a:r>
+            <a:r>
+              <a:rPr lang="en-US" altLang="ja-JP" dirty="0"/>
+              <a:t>+</a:t>
+            </a:r>
+            <a:r>
+              <a:rPr lang="ja-JP" altLang="en-US"/>
+              <a:t>コード</a:t>
+            </a:r>
+            <a:r>
+              <a:rPr kumimoji="1" lang="ja-JP" altLang="en-US"/>
+              <a:t>」でセルを追加</a:t>
+            </a:r>
+            <a:endParaRPr kumimoji="1" lang="en-US" altLang="ja-JP" dirty="0"/>
+          </a:p>
+          <a:p>
+            <a:pPr lvl="1"/>
+            <a:r>
+              <a:rPr lang="ja-JP" altLang="en-US"/>
+              <a:t>セル左上の</a:t>
+            </a:r>
+            <a:r>
+              <a:rPr lang="en-US" altLang="ja-JP" dirty="0"/>
+              <a:t> </a:t>
+            </a:r>
+            <a:r>
+              <a:rPr lang="ja-JP" altLang="en-US"/>
+              <a:t>再生ボタン</a:t>
+            </a:r>
+            <a:r>
+              <a:rPr lang="en-US" altLang="ja-JP" dirty="0"/>
+              <a:t> (</a:t>
+            </a:r>
+            <a:r>
+              <a:rPr lang="ja-JP" altLang="en-US"/>
+              <a:t>▶️</a:t>
+            </a:r>
+            <a:r>
+              <a:rPr lang="en-US" altLang="ja-JP" dirty="0"/>
+              <a:t>) </a:t>
+            </a:r>
+            <a:r>
+              <a:rPr lang="ja-JP" altLang="en-US"/>
+              <a:t>でセルの中身を実行</a:t>
+            </a:r>
+            <a:endParaRPr kumimoji="1" lang="en-US" altLang="ja-JP" dirty="0"/>
+          </a:p>
+          <a:p>
+            <a:endParaRPr kumimoji="1" lang="ja-JP" altLang="en-US"/>
+          </a:p>
+        </p:txBody>
+      </p:sp>
+      <p:pic>
+        <p:nvPicPr>
+          <p:cNvPr id="7" name="図 6">
+            <a:extLst>
+              <a:ext uri="{FF2B5EF4-FFF2-40B4-BE49-F238E27FC236}">
+                <a16:creationId xmlns:a16="http://schemas.microsoft.com/office/drawing/2014/main" id="{DC5D2EF9-A58D-DF40-91E6-A7374590AB0B}"/>
+              </a:ext>
+            </a:extLst>
+          </p:cNvPr>
+          <p:cNvPicPr>
+            <a:picLocks noChangeAspect="1"/>
+          </p:cNvPicPr>
+          <p:nvPr/>
+        </p:nvPicPr>
+        <p:blipFill>
+          <a:blip r:embed="rId2"/>
+          <a:stretch>
+            <a:fillRect/>
+          </a:stretch>
+        </p:blipFill>
+        <p:spPr>
+          <a:xfrm>
+            <a:off x="1579396" y="3429000"/>
+            <a:ext cx="5241533" cy="3170804"/>
+          </a:xfrm>
+          <a:prstGeom prst="rect">
+            <a:avLst/>
+          </a:prstGeom>
+        </p:spPr>
+      </p:pic>
+      <p:cxnSp>
+        <p:nvCxnSpPr>
+          <p:cNvPr id="9" name="直線コネクタ 8">
+            <a:extLst>
+              <a:ext uri="{FF2B5EF4-FFF2-40B4-BE49-F238E27FC236}">
+                <a16:creationId xmlns:a16="http://schemas.microsoft.com/office/drawing/2014/main" id="{176E765F-AB0F-2747-994A-9F07B33991A1}"/>
+              </a:ext>
+            </a:extLst>
+          </p:cNvPr>
+          <p:cNvCxnSpPr/>
+          <p:nvPr/>
+        </p:nvCxnSpPr>
+        <p:spPr>
+          <a:xfrm flipV="1">
+            <a:off x="6190735" y="4102443"/>
+            <a:ext cx="1470454" cy="911959"/>
+          </a:xfrm>
+          <a:prstGeom prst="line">
+            <a:avLst/>
+          </a:prstGeom>
+        </p:spPr>
+        <p:style>
+          <a:lnRef idx="1">
+            <a:schemeClr val="accent1"/>
+          </a:lnRef>
+          <a:fillRef idx="0">
+            <a:schemeClr val="accent1"/>
+          </a:fillRef>
+          <a:effectRef idx="0">
+            <a:schemeClr val="accent1"/>
+          </a:effectRef>
+          <a:fontRef idx="minor">
+            <a:schemeClr val="tx1"/>
+          </a:fontRef>
+        </p:style>
+      </p:cxnSp>
+      <p:sp>
+        <p:nvSpPr>
+          <p:cNvPr id="10" name="テキスト ボックス 9">
+            <a:extLst>
+              <a:ext uri="{FF2B5EF4-FFF2-40B4-BE49-F238E27FC236}">
+                <a16:creationId xmlns:a16="http://schemas.microsoft.com/office/drawing/2014/main" id="{7AC92941-852E-8F41-B2F1-6B92EBC2AC1C}"/>
+              </a:ext>
+            </a:extLst>
+          </p:cNvPr>
+          <p:cNvSpPr txBox="1"/>
+          <p:nvPr/>
+        </p:nvSpPr>
+        <p:spPr>
+          <a:xfrm>
+            <a:off x="7661189" y="3805881"/>
+            <a:ext cx="646331" cy="369332"/>
+          </a:xfrm>
+          <a:prstGeom prst="rect">
+            <a:avLst/>
+          </a:prstGeom>
+          <a:noFill/>
+        </p:spPr>
+        <p:txBody>
+          <a:bodyPr wrap="none" rtlCol="0">
+            <a:spAutoFit/>
+          </a:bodyPr>
+          <a:lstStyle/>
+          <a:p>
+            <a:r>
+              <a:rPr kumimoji="1" lang="ja-JP" altLang="en-US"/>
+              <a:t>セル</a:t>
+            </a:r>
+          </a:p>
+        </p:txBody>
+      </p:sp>
+      <p:cxnSp>
+        <p:nvCxnSpPr>
+          <p:cNvPr id="11" name="直線コネクタ 10">
+            <a:extLst>
+              <a:ext uri="{FF2B5EF4-FFF2-40B4-BE49-F238E27FC236}">
+                <a16:creationId xmlns:a16="http://schemas.microsoft.com/office/drawing/2014/main" id="{774B85CA-76F2-C242-8FCC-7D4A0F3E6CA1}"/>
+              </a:ext>
+            </a:extLst>
+          </p:cNvPr>
+          <p:cNvCxnSpPr>
+            <a:cxnSpLocks/>
+          </p:cNvCxnSpPr>
+          <p:nvPr/>
+        </p:nvCxnSpPr>
+        <p:spPr>
+          <a:xfrm flipV="1">
+            <a:off x="6505832" y="4175213"/>
+            <a:ext cx="1265843" cy="1757191"/>
+          </a:xfrm>
+          <a:prstGeom prst="line">
+            <a:avLst/>
+          </a:prstGeom>
+        </p:spPr>
+        <p:style>
+          <a:lnRef idx="1">
+            <a:schemeClr val="accent1"/>
+          </a:lnRef>
+          <a:fillRef idx="0">
+            <a:schemeClr val="accent1"/>
+          </a:fillRef>
+          <a:effectRef idx="0">
+            <a:schemeClr val="accent1"/>
+          </a:effectRef>
+          <a:fontRef idx="minor">
+            <a:schemeClr val="tx1"/>
+          </a:fontRef>
+        </p:style>
+      </p:cxnSp>
+      <p:cxnSp>
+        <p:nvCxnSpPr>
+          <p:cNvPr id="13" name="直線コネクタ 12">
+            <a:extLst>
+              <a:ext uri="{FF2B5EF4-FFF2-40B4-BE49-F238E27FC236}">
+                <a16:creationId xmlns:a16="http://schemas.microsoft.com/office/drawing/2014/main" id="{02B818DB-4033-EE46-90D9-226F8C0C9771}"/>
+              </a:ext>
+            </a:extLst>
+          </p:cNvPr>
+          <p:cNvCxnSpPr>
+            <a:cxnSpLocks/>
+          </p:cNvCxnSpPr>
+          <p:nvPr/>
+        </p:nvCxnSpPr>
+        <p:spPr>
+          <a:xfrm flipV="1">
+            <a:off x="6594131" y="4254844"/>
+            <a:ext cx="1311490" cy="2197188"/>
+          </a:xfrm>
+          <a:prstGeom prst="line">
+            <a:avLst/>
+          </a:prstGeom>
+        </p:spPr>
+        <p:style>
+          <a:lnRef idx="1">
+            <a:schemeClr val="accent1"/>
+          </a:lnRef>
+          <a:fillRef idx="0">
+            <a:schemeClr val="accent1"/>
+          </a:fillRef>
+          <a:effectRef idx="0">
+            <a:schemeClr val="accent1"/>
+          </a:effectRef>
+          <a:fontRef idx="minor">
+            <a:schemeClr val="tx1"/>
+          </a:fontRef>
+        </p:style>
+      </p:cxnSp>
+    </p:spTree>
+    <p:extLst>
+      <p:ext uri="{BB962C8B-B14F-4D97-AF65-F5344CB8AC3E}">
+        <p14:creationId xmlns:p14="http://schemas.microsoft.com/office/powerpoint/2010/main" val="2090793909"/>
+      </p:ext>
+    </p:extLst>
+  </p:cSld>
+  <p:clrMapOvr>
+    <a:masterClrMapping/>
+  </p:clrMapOvr>
+</p:sld>
+</file>
+
+<file path=ppt/slides/slide7.xml><?xml version="1.0" encoding="utf-8"?>
+<p:sld xmlns:a="http://schemas.openxmlformats.org/drawingml/2006/main" xmlns:r="http://schemas.openxmlformats.org/officeDocument/2006/relationships" xmlns:p="http://schemas.openxmlformats.org/presentationml/2006/main">
+  <p:cSld>
+    <p:spTree>
+      <p:nvGrpSpPr>
+        <p:cNvPr id="1" name=""/>
+        <p:cNvGrpSpPr/>
+        <p:nvPr/>
+      </p:nvGrpSpPr>
+      <p:grpSpPr>
+        <a:xfrm>
+          <a:off x="0" y="0"/>
+          <a:ext cx="0" cy="0"/>
+          <a:chOff x="0" y="0"/>
+          <a:chExt cx="0" cy="0"/>
+        </a:xfrm>
+      </p:grpSpPr>
+      <p:sp>
+        <p:nvSpPr>
+          <p:cNvPr id="2" name="タイトル 1">
+            <a:extLst>
+              <a:ext uri="{FF2B5EF4-FFF2-40B4-BE49-F238E27FC236}">
+                <a16:creationId xmlns:a16="http://schemas.microsoft.com/office/drawing/2014/main" id="{68B50875-91C7-9547-935C-EDC771DBC066}"/>
+              </a:ext>
+            </a:extLst>
+          </p:cNvPr>
+          <p:cNvSpPr>
+            <a:spLocks noGrp="1"/>
+          </p:cNvSpPr>
+          <p:nvPr>
+            <p:ph type="title"/>
+          </p:nvPr>
+        </p:nvSpPr>
+        <p:spPr/>
+        <p:txBody>
+          <a:bodyPr/>
+          <a:lstStyle/>
+          <a:p>
+            <a:r>
+              <a:rPr kumimoji="1" lang="en-US" altLang="ja-JP" dirty="0" err="1"/>
+              <a:t>Colab</a:t>
+            </a:r>
+            <a:r>
+              <a:rPr kumimoji="1" lang="ja-JP" altLang="en-US"/>
+              <a:t>を使う準備</a:t>
+            </a:r>
+            <a:r>
+              <a:rPr kumimoji="1" lang="en-US" altLang="ja-JP" dirty="0"/>
+              <a:t> 4/5  GPU</a:t>
+            </a:r>
+            <a:r>
+              <a:rPr kumimoji="1" lang="ja-JP" altLang="en-US"/>
+              <a:t>連携</a:t>
+            </a:r>
+          </a:p>
+        </p:txBody>
+      </p:sp>
+      <p:sp>
+        <p:nvSpPr>
+          <p:cNvPr id="3" name="コンテンツ プレースホルダー 2">
+            <a:extLst>
+              <a:ext uri="{FF2B5EF4-FFF2-40B4-BE49-F238E27FC236}">
+                <a16:creationId xmlns:a16="http://schemas.microsoft.com/office/drawing/2014/main" id="{E4B5AF34-07C6-D549-B5D3-8231CF04DBA5}"/>
+              </a:ext>
+            </a:extLst>
+          </p:cNvPr>
+          <p:cNvSpPr>
+            <a:spLocks noGrp="1"/>
+          </p:cNvSpPr>
+          <p:nvPr>
+            <p:ph idx="1"/>
+          </p:nvPr>
+        </p:nvSpPr>
+        <p:spPr/>
+        <p:txBody>
+          <a:bodyPr/>
+          <a:lstStyle/>
+          <a:p>
+            <a:r>
+              <a:rPr kumimoji="1" lang="ja-JP" altLang="en-US"/>
+              <a:t>左上「ランタイム」から「ランタイムのタイプを変更」へ</a:t>
+            </a:r>
+            <a:endParaRPr kumimoji="1" lang="en-US" altLang="ja-JP" dirty="0"/>
+          </a:p>
+          <a:p>
+            <a:pPr lvl="1"/>
+            <a:r>
+              <a:rPr lang="ja-JP" altLang="en-US"/>
+              <a:t>「</a:t>
+            </a:r>
+            <a:r>
+              <a:rPr lang="en-US" altLang="ja-JP" dirty="0"/>
+              <a:t>Python3</a:t>
+            </a:r>
+            <a:r>
+              <a:rPr lang="ja-JP" altLang="en-US"/>
+              <a:t>」と「</a:t>
+            </a:r>
+            <a:r>
+              <a:rPr lang="en-US" altLang="ja-JP" dirty="0"/>
+              <a:t>GPU</a:t>
+            </a:r>
+            <a:r>
+              <a:rPr lang="ja-JP" altLang="en-US"/>
+              <a:t>」と設定</a:t>
+            </a:r>
+            <a:endParaRPr kumimoji="1" lang="en-US" altLang="ja-JP" dirty="0"/>
+          </a:p>
+          <a:p>
+            <a:endParaRPr kumimoji="1" lang="ja-JP" altLang="en-US"/>
+          </a:p>
+        </p:txBody>
+      </p:sp>
+      <p:pic>
+        <p:nvPicPr>
+          <p:cNvPr id="5" name="図 4">
+            <a:extLst>
+              <a:ext uri="{FF2B5EF4-FFF2-40B4-BE49-F238E27FC236}">
+                <a16:creationId xmlns:a16="http://schemas.microsoft.com/office/drawing/2014/main" id="{43EA9EB2-7699-DF41-991F-8E8DA77553EB}"/>
+              </a:ext>
+            </a:extLst>
+          </p:cNvPr>
+          <p:cNvPicPr>
+            <a:picLocks noChangeAspect="1"/>
+          </p:cNvPicPr>
+          <p:nvPr/>
+        </p:nvPicPr>
+        <p:blipFill>
+          <a:blip r:embed="rId2"/>
+          <a:stretch>
+            <a:fillRect/>
+          </a:stretch>
+        </p:blipFill>
+        <p:spPr>
+          <a:xfrm>
+            <a:off x="1160451" y="2588289"/>
+            <a:ext cx="6823097" cy="3904585"/>
+          </a:xfrm>
+          <a:prstGeom prst="rect">
+            <a:avLst/>
+          </a:prstGeom>
+        </p:spPr>
+      </p:pic>
+    </p:spTree>
+    <p:extLst>
+      <p:ext uri="{BB962C8B-B14F-4D97-AF65-F5344CB8AC3E}">
+        <p14:creationId xmlns:p14="http://schemas.microsoft.com/office/powerpoint/2010/main" val="1226371347"/>
+      </p:ext>
+    </p:extLst>
+  </p:cSld>
+  <p:clrMapOvr>
+    <a:masterClrMapping/>
+  </p:clrMapOvr>
+</p:sld>
+</file>
+
+<file path=ppt/slides/slide8.xml><?xml version="1.0" encoding="utf-8"?>
+<p:sld xmlns:a="http://schemas.openxmlformats.org/drawingml/2006/main" xmlns:r="http://schemas.openxmlformats.org/officeDocument/2006/relationships" xmlns:p="http://schemas.openxmlformats.org/presentationml/2006/main">
+  <p:cSld>
+    <p:spTree>
+      <p:nvGrpSpPr>
+        <p:cNvPr id="1" name=""/>
+        <p:cNvGrpSpPr/>
+        <p:nvPr/>
+      </p:nvGrpSpPr>
+      <p:grpSpPr>
+        <a:xfrm>
+          <a:off x="0" y="0"/>
+          <a:ext cx="0" cy="0"/>
+          <a:chOff x="0" y="0"/>
+          <a:chExt cx="0" cy="0"/>
+        </a:xfrm>
+      </p:grpSpPr>
+      <p:sp>
+        <p:nvSpPr>
+          <p:cNvPr id="2" name="タイトル 1">
+            <a:extLst>
+              <a:ext uri="{FF2B5EF4-FFF2-40B4-BE49-F238E27FC236}">
+                <a16:creationId xmlns:a16="http://schemas.microsoft.com/office/drawing/2014/main" id="{B2761A82-306F-A845-B99B-CF9D270BC52D}"/>
+              </a:ext>
+            </a:extLst>
+          </p:cNvPr>
+          <p:cNvSpPr>
+            <a:spLocks noGrp="1"/>
+          </p:cNvSpPr>
+          <p:nvPr>
+            <p:ph type="title"/>
+          </p:nvPr>
+        </p:nvSpPr>
+        <p:spPr/>
+        <p:txBody>
+          <a:bodyPr/>
+          <a:lstStyle/>
+          <a:p>
+            <a:r>
+              <a:rPr kumimoji="1" lang="en-US" altLang="ja-JP" dirty="0"/>
+              <a:t> </a:t>
+            </a:r>
+            <a:r>
+              <a:rPr kumimoji="1" lang="en-US" altLang="ja-JP" dirty="0" err="1"/>
+              <a:t>Colab</a:t>
+            </a:r>
+            <a:r>
+              <a:rPr kumimoji="1" lang="ja-JP" altLang="en-US"/>
+              <a:t>を使う準備</a:t>
+            </a:r>
+            <a:r>
+              <a:rPr kumimoji="1" lang="en-US" altLang="ja-JP" dirty="0"/>
+              <a:t> 5/5 GPU</a:t>
+            </a:r>
+            <a:r>
+              <a:rPr kumimoji="1" lang="ja-JP" altLang="en-US"/>
+              <a:t>確認</a:t>
+            </a:r>
+          </a:p>
+        </p:txBody>
+      </p:sp>
+      <p:sp>
+        <p:nvSpPr>
+          <p:cNvPr id="3" name="コンテンツ プレースホルダー 2">
+            <a:extLst>
+              <a:ext uri="{FF2B5EF4-FFF2-40B4-BE49-F238E27FC236}">
+                <a16:creationId xmlns:a16="http://schemas.microsoft.com/office/drawing/2014/main" id="{E6EC4822-2A8D-2B41-B70D-FB0930F64981}"/>
+              </a:ext>
+            </a:extLst>
+          </p:cNvPr>
+          <p:cNvSpPr>
+            <a:spLocks noGrp="1"/>
+          </p:cNvSpPr>
+          <p:nvPr>
+            <p:ph idx="1"/>
+          </p:nvPr>
+        </p:nvSpPr>
+        <p:spPr/>
+        <p:txBody>
+          <a:bodyPr/>
+          <a:lstStyle/>
+          <a:p>
+            <a:r>
+              <a:rPr kumimoji="1" lang="ja-JP" altLang="en-US"/>
+              <a:t>セルを作成，下図のようにコードを入力し実行</a:t>
+            </a:r>
+            <a:endParaRPr kumimoji="1" lang="en-US" altLang="ja-JP" dirty="0"/>
+          </a:p>
+          <a:p>
+            <a:pPr lvl="1"/>
+            <a:r>
+              <a:rPr lang="ja-JP" altLang="en-US"/>
+              <a:t>実行結果がセル下部に表示される</a:t>
+            </a:r>
+            <a:endParaRPr lang="en-US" altLang="ja-JP" dirty="0"/>
+          </a:p>
+          <a:p>
+            <a:pPr lvl="1"/>
+            <a:r>
+              <a:rPr kumimoji="1" lang="en-US" altLang="ja-JP" dirty="0"/>
+              <a:t>‘/device:GPU:0</a:t>
+            </a:r>
+            <a:r>
+              <a:rPr lang="en-US" altLang="ja-JP" dirty="0"/>
+              <a:t>’</a:t>
+            </a:r>
+            <a:r>
+              <a:rPr lang="ja-JP" altLang="en-US"/>
+              <a:t>となれば</a:t>
+            </a:r>
+            <a:r>
+              <a:rPr lang="en-US" altLang="ja-JP" dirty="0"/>
+              <a:t>OK</a:t>
+            </a:r>
+          </a:p>
+          <a:p>
+            <a:pPr lvl="1"/>
+            <a:r>
+              <a:rPr kumimoji="1" lang="ja-JP" altLang="en-US"/>
+              <a:t>ここら辺のコードは</a:t>
+            </a:r>
+            <a:r>
+              <a:rPr kumimoji="1" lang="en-US" altLang="ja-JP" dirty="0"/>
+              <a:t>git</a:t>
+            </a:r>
+            <a:r>
+              <a:rPr kumimoji="1" lang="ja-JP" altLang="en-US"/>
+              <a:t>にあがってます</a:t>
+            </a:r>
+            <a:endParaRPr kumimoji="1" lang="en-US" altLang="ja-JP" dirty="0"/>
+          </a:p>
+          <a:p>
+            <a:endParaRPr kumimoji="1" lang="ja-JP" altLang="en-US"/>
+          </a:p>
+        </p:txBody>
+      </p:sp>
+      <p:pic>
+        <p:nvPicPr>
+          <p:cNvPr id="5" name="図 4">
+            <a:extLst>
+              <a:ext uri="{FF2B5EF4-FFF2-40B4-BE49-F238E27FC236}">
+                <a16:creationId xmlns:a16="http://schemas.microsoft.com/office/drawing/2014/main" id="{BF637F82-CEB6-A243-A790-4EA871560ABF}"/>
+              </a:ext>
+            </a:extLst>
+          </p:cNvPr>
+          <p:cNvPicPr>
+            <a:picLocks noChangeAspect="1"/>
+          </p:cNvPicPr>
+          <p:nvPr/>
+        </p:nvPicPr>
+        <p:blipFill>
+          <a:blip r:embed="rId2"/>
+          <a:stretch>
+            <a:fillRect/>
+          </a:stretch>
+        </p:blipFill>
+        <p:spPr>
+          <a:xfrm>
+            <a:off x="520502" y="3429000"/>
+            <a:ext cx="7868191" cy="2258883"/>
+          </a:xfrm>
+          <a:prstGeom prst="rect">
+            <a:avLst/>
+          </a:prstGeom>
+        </p:spPr>
+      </p:pic>
+    </p:spTree>
+    <p:extLst>
+      <p:ext uri="{BB962C8B-B14F-4D97-AF65-F5344CB8AC3E}">
+        <p14:creationId xmlns:p14="http://schemas.microsoft.com/office/powerpoint/2010/main" val="2893715294"/>
+      </p:ext>
+    </p:extLst>
+  </p:cSld>
+  <p:clrMapOvr>
+    <a:masterClrMapping/>
+  </p:clrMapOvr>
+</p:sld>
+</file>
+
+<file path=ppt/slides/slide9.xml><?xml version="1.0" encoding="utf-8"?>
+<p:sld xmlns:a="http://schemas.openxmlformats.org/drawingml/2006/main" xmlns:r="http://schemas.openxmlformats.org/officeDocument/2006/relationships" xmlns:p="http://schemas.openxmlformats.org/presentationml/2006/main">
+  <p:cSld>
+    <p:spTree>
+      <p:nvGrpSpPr>
+        <p:cNvPr id="1" name=""/>
+        <p:cNvGrpSpPr/>
+        <p:nvPr/>
+      </p:nvGrpSpPr>
+      <p:grpSpPr>
+        <a:xfrm>
+          <a:off x="0" y="0"/>
+          <a:ext cx="0" cy="0"/>
+          <a:chOff x="0" y="0"/>
+          <a:chExt cx="0" cy="0"/>
+        </a:xfrm>
+      </p:grpSpPr>
+      <p:sp>
+        <p:nvSpPr>
+          <p:cNvPr id="2" name="タイトル 1">
+            <a:extLst>
+              <a:ext uri="{FF2B5EF4-FFF2-40B4-BE49-F238E27FC236}">
+                <a16:creationId xmlns:a16="http://schemas.microsoft.com/office/drawing/2014/main" id="{E81E41A5-CE86-9A46-BC51-089B8DA7B75B}"/>
+              </a:ext>
+            </a:extLst>
+          </p:cNvPr>
+          <p:cNvSpPr>
+            <a:spLocks noGrp="1"/>
+          </p:cNvSpPr>
+          <p:nvPr>
+            <p:ph type="title"/>
+          </p:nvPr>
+        </p:nvSpPr>
+        <p:spPr>
+          <a:xfrm>
+            <a:off x="628650" y="365126"/>
+            <a:ext cx="7886700" cy="1325563"/>
+          </a:xfrm>
+        </p:spPr>
+        <p:txBody>
+          <a:bodyPr/>
+          <a:lstStyle/>
+          <a:p>
+            <a:r>
+              <a:rPr lang="ja-JP" altLang="en-US"/>
+              <a:t>学習用データのロード</a:t>
+            </a:r>
+            <a:r>
+              <a:rPr lang="en-US" altLang="ja-JP" dirty="0"/>
+              <a:t> 1/3</a:t>
+            </a:r>
+            <a:endParaRPr kumimoji="1" lang="ja-JP" altLang="en-US"/>
+          </a:p>
+        </p:txBody>
+      </p:sp>
+      <p:sp>
+        <p:nvSpPr>
+          <p:cNvPr id="3" name="コンテンツ プレースホルダー 2">
+            <a:extLst>
+              <a:ext uri="{FF2B5EF4-FFF2-40B4-BE49-F238E27FC236}">
+                <a16:creationId xmlns:a16="http://schemas.microsoft.com/office/drawing/2014/main" id="{9BC1B733-5FE8-8D4E-AB7C-E9D2BC9832A2}"/>
+              </a:ext>
+            </a:extLst>
+          </p:cNvPr>
+          <p:cNvSpPr>
+            <a:spLocks noGrp="1"/>
+          </p:cNvSpPr>
+          <p:nvPr>
+            <p:ph idx="1"/>
+          </p:nvPr>
+        </p:nvSpPr>
+        <p:spPr>
+          <a:xfrm>
+            <a:off x="628650" y="1825625"/>
+            <a:ext cx="7886700" cy="4351338"/>
+          </a:xfrm>
+        </p:spPr>
+        <p:txBody>
+          <a:bodyPr/>
+          <a:lstStyle/>
+          <a:p>
+            <a:r>
+              <a:rPr kumimoji="1" lang="en-US" altLang="ja-JP" dirty="0"/>
+              <a:t>Google</a:t>
+            </a:r>
+            <a:r>
+              <a:rPr kumimoji="1" lang="ja-JP" altLang="en-US"/>
+              <a:t>ドライブからデータを持ってこれる</a:t>
+            </a:r>
+            <a:endParaRPr kumimoji="1" lang="en-US" altLang="ja-JP" dirty="0"/>
+          </a:p>
+          <a:p>
+            <a:r>
+              <a:rPr lang="ja-JP" altLang="en-US"/>
+              <a:t>ドライブとノートブックを連携させる</a:t>
+            </a:r>
+            <a:endParaRPr lang="en-US" altLang="ja-JP" dirty="0"/>
+          </a:p>
+          <a:p>
+            <a:pPr lvl="1"/>
+            <a:r>
+              <a:rPr lang="en-US" altLang="ja-JP" dirty="0" err="1"/>
+              <a:t>Pydrive</a:t>
+            </a:r>
+            <a:r>
+              <a:rPr lang="ja-JP" altLang="en-US"/>
+              <a:t>をクラウド環境に入れる</a:t>
+            </a:r>
+            <a:endParaRPr lang="en-US" altLang="ja-JP" dirty="0"/>
+          </a:p>
+          <a:p>
+            <a:pPr lvl="1"/>
+            <a:r>
+              <a:rPr lang="en-US" altLang="ja-JP" dirty="0"/>
+              <a:t>!pip install –U –q </a:t>
+            </a:r>
+            <a:r>
+              <a:rPr lang="en-US" altLang="ja-JP" dirty="0" err="1"/>
+              <a:t>Pydrive</a:t>
+            </a:r>
+            <a:r>
+              <a:rPr lang="en-US" altLang="ja-JP" dirty="0"/>
+              <a:t> </a:t>
+            </a:r>
+          </a:p>
+          <a:p>
+            <a:pPr lvl="1"/>
+            <a:endParaRPr kumimoji="1" lang="ja-JP" altLang="en-US"/>
+          </a:p>
+        </p:txBody>
+      </p:sp>
+      <p:pic>
+        <p:nvPicPr>
+          <p:cNvPr id="5" name="図 4">
+            <a:extLst>
+              <a:ext uri="{FF2B5EF4-FFF2-40B4-BE49-F238E27FC236}">
+                <a16:creationId xmlns:a16="http://schemas.microsoft.com/office/drawing/2014/main" id="{EB509ADA-8045-8A4F-9016-1817BAB8353D}"/>
+              </a:ext>
+            </a:extLst>
+          </p:cNvPr>
+          <p:cNvPicPr>
+            <a:picLocks noChangeAspect="1"/>
+          </p:cNvPicPr>
+          <p:nvPr/>
+        </p:nvPicPr>
+        <p:blipFill>
+          <a:blip r:embed="rId2"/>
+          <a:stretch>
+            <a:fillRect/>
+          </a:stretch>
+        </p:blipFill>
+        <p:spPr>
+          <a:xfrm>
+            <a:off x="1626666" y="3282374"/>
+            <a:ext cx="5890668" cy="3210500"/>
+          </a:xfrm>
+          <a:prstGeom prst="rect">
+            <a:avLst/>
+          </a:prstGeom>
+        </p:spPr>
+      </p:pic>
+      <p:sp>
+        <p:nvSpPr>
+          <p:cNvPr id="7" name="角丸四角形 6">
+            <a:extLst>
+              <a:ext uri="{FF2B5EF4-FFF2-40B4-BE49-F238E27FC236}">
+                <a16:creationId xmlns:a16="http://schemas.microsoft.com/office/drawing/2014/main" id="{DDD674B6-601C-D64D-9893-97FFA40E8856}"/>
+              </a:ext>
+            </a:extLst>
+          </p:cNvPr>
+          <p:cNvSpPr/>
+          <p:nvPr/>
+        </p:nvSpPr>
+        <p:spPr>
+          <a:xfrm>
+            <a:off x="3702419" y="3908618"/>
+            <a:ext cx="3686921" cy="490387"/>
+          </a:xfrm>
+          <a:prstGeom prst="roundRect">
+            <a:avLst/>
+          </a:prstGeom>
+          <a:noFill/>
+          <a:ln w="19050">
+            <a:solidFill>
+              <a:srgbClr val="FF0000"/>
+            </a:solidFill>
+          </a:ln>
+        </p:spPr>
+        <p:style>
+          <a:lnRef idx="2">
+            <a:schemeClr val="accent1">
+              <a:shade val="50000"/>
+            </a:schemeClr>
+          </a:lnRef>
+          <a:fillRef idx="1">
+            <a:schemeClr val="accent1"/>
+          </a:fillRef>
+          <a:effectRef idx="0">
+            <a:schemeClr val="accent1"/>
+          </a:effectRef>
+          <a:fontRef idx="minor">
+            <a:schemeClr val="lt1"/>
+          </a:fontRef>
+        </p:style>
+        <p:txBody>
+          <a:bodyPr rtlCol="0" anchor="ctr"/>
+          <a:lstStyle/>
+          <a:p>
+            <a:pPr algn="ctr"/>
+            <a:endParaRPr kumimoji="1" lang="ja-JP" altLang="en-US"/>
+          </a:p>
+        </p:txBody>
+      </p:sp>
+    </p:spTree>
+    <p:extLst>
+      <p:ext uri="{BB962C8B-B14F-4D97-AF65-F5344CB8AC3E}">
+        <p14:creationId xmlns:p14="http://schemas.microsoft.com/office/powerpoint/2010/main" val="920868780"/>
       </p:ext>
     </p:extLst>
   </p:cSld>
